--- a/Etap I/MED - Prezentacja wstępa Etap I.pptx
+++ b/Etap I/MED - Prezentacja wstępa Etap I.pptx
@@ -114,6 +114,11 @@
       </a:defRPr>
     </a:lvl9pPr>
   </p:defaultTextStyle>
+  <p:extLst>
+    <p:ext uri="{EFAFB233-063F-42B5-8137-9DF3F51BA10A}">
+      <p15:sldGuideLst xmlns:p15="http://schemas.microsoft.com/office/powerpoint/2012/main"/>
+    </p:ext>
+  </p:extLst>
 </p:presentation>
 </file>
 
@@ -3372,94 +3377,6 @@
         </a:p>
       </dgm:t>
     </dgm:pt>
-    <dgm:pt modelId="{6880C8ED-1ED4-446C-825B-03A238FF44B3}">
-      <dgm:prSet/>
-      <dgm:spPr/>
-      <dgm:t>
-        <a:bodyPr/>
-        <a:lstStyle/>
-        <a:p>
-          <a:pPr>
-            <a:lnSpc>
-              <a:spcPct val="100000"/>
-            </a:lnSpc>
-          </a:pPr>
-          <a:r>
-            <a:rPr lang="pl-PL" b="1" dirty="0"/>
-            <a:t>Wydajność,</a:t>
-          </a:r>
-          <a:endParaRPr lang="en-US" dirty="0"/>
-        </a:p>
-      </dgm:t>
-    </dgm:pt>
-    <dgm:pt modelId="{18B4EE1F-56C9-4C30-815E-2348F05A784B}" type="parTrans" cxnId="{C7E8F293-EB4D-4681-97BC-3314714A9CAB}">
-      <dgm:prSet/>
-      <dgm:spPr/>
-      <dgm:t>
-        <a:bodyPr/>
-        <a:lstStyle/>
-        <a:p>
-          <a:endParaRPr lang="en-US"/>
-        </a:p>
-      </dgm:t>
-    </dgm:pt>
-    <dgm:pt modelId="{BB9C2687-B11C-410B-8B22-446D92421FC0}" type="sibTrans" cxnId="{C7E8F293-EB4D-4681-97BC-3314714A9CAB}">
-      <dgm:prSet/>
-      <dgm:spPr/>
-      <dgm:t>
-        <a:bodyPr/>
-        <a:lstStyle/>
-        <a:p>
-          <a:endParaRPr lang="en-US"/>
-        </a:p>
-      </dgm:t>
-    </dgm:pt>
-    <dgm:pt modelId="{ACF70F98-7152-4391-9263-9422F9F9337C}">
-      <dgm:prSet/>
-      <dgm:spPr/>
-      <dgm:t>
-        <a:bodyPr/>
-        <a:lstStyle/>
-        <a:p>
-          <a:pPr>
-            <a:lnSpc>
-              <a:spcPct val="100000"/>
-            </a:lnSpc>
-          </a:pPr>
-          <a:r>
-            <a:rPr lang="pl-PL" b="1" dirty="0"/>
-            <a:t>Przystosowanie do analiz reguł asocjacyjnych</a:t>
-          </a:r>
-          <a:r>
-            <a:rPr lang="pl-PL" dirty="0"/>
-            <a:t> - pozwala wygenerować nie tylko częste zbiory, ale i same reguły asocjacyjne,</a:t>
-          </a:r>
-          <a:endParaRPr lang="en-US" dirty="0"/>
-        </a:p>
-      </dgm:t>
-    </dgm:pt>
-    <dgm:pt modelId="{3ADED5F4-31D3-48DE-A711-F21F454399D9}" type="parTrans" cxnId="{84BEC8C6-1392-4384-9F71-874DF71AE549}">
-      <dgm:prSet/>
-      <dgm:spPr/>
-      <dgm:t>
-        <a:bodyPr/>
-        <a:lstStyle/>
-        <a:p>
-          <a:endParaRPr lang="en-US"/>
-        </a:p>
-      </dgm:t>
-    </dgm:pt>
-    <dgm:pt modelId="{D2224F11-4AB7-44DD-9E4F-8BC3F57019D3}" type="sibTrans" cxnId="{84BEC8C6-1392-4384-9F71-874DF71AE549}">
-      <dgm:prSet/>
-      <dgm:spPr/>
-      <dgm:t>
-        <a:bodyPr/>
-        <a:lstStyle/>
-        <a:p>
-          <a:endParaRPr lang="en-US"/>
-        </a:p>
-      </dgm:t>
-    </dgm:pt>
     <dgm:pt modelId="{67C9969A-932C-49FC-983A-49381E72DB62}">
       <dgm:prSet/>
       <dgm:spPr/>
@@ -3496,6 +3413,52 @@
       </dgm:t>
     </dgm:pt>
     <dgm:pt modelId="{03285259-05BD-4651-BA64-DF68C104D6B5}" type="sibTrans" cxnId="{9330C28F-BC23-469A-A4BA-0769932827CE}">
+      <dgm:prSet/>
+      <dgm:spPr/>
+      <dgm:t>
+        <a:bodyPr/>
+        <a:lstStyle/>
+        <a:p>
+          <a:endParaRPr lang="en-US"/>
+        </a:p>
+      </dgm:t>
+    </dgm:pt>
+    <dgm:pt modelId="{ACF70F98-7152-4391-9263-9422F9F9337C}">
+      <dgm:prSet/>
+      <dgm:spPr/>
+      <dgm:t>
+        <a:bodyPr/>
+        <a:lstStyle/>
+        <a:p>
+          <a:pPr>
+            <a:lnSpc>
+              <a:spcPct val="100000"/>
+            </a:lnSpc>
+          </a:pPr>
+          <a:r>
+            <a:rPr lang="pl-PL" b="1" dirty="0"/>
+            <a:t>Przystosowanie do analiz reguł asocjacyjnych</a:t>
+          </a:r>
+          <a:r>
+            <a:rPr lang="pl-PL" dirty="0"/>
+            <a:t> - pozwala wygenerować nie tylko częste zbiory, ale i same reguły asocjacyjne,</a:t>
+          </a:r>
+          <a:endParaRPr lang="en-US" dirty="0"/>
+        </a:p>
+      </dgm:t>
+    </dgm:pt>
+    <dgm:pt modelId="{D2224F11-4AB7-44DD-9E4F-8BC3F57019D3}" type="sibTrans" cxnId="{84BEC8C6-1392-4384-9F71-874DF71AE549}">
+      <dgm:prSet/>
+      <dgm:spPr/>
+      <dgm:t>
+        <a:bodyPr/>
+        <a:lstStyle/>
+        <a:p>
+          <a:endParaRPr lang="en-US"/>
+        </a:p>
+      </dgm:t>
+    </dgm:pt>
+    <dgm:pt modelId="{3ADED5F4-31D3-48DE-A711-F21F454399D9}" type="parTrans" cxnId="{84BEC8C6-1392-4384-9F71-874DF71AE549}">
       <dgm:prSet/>
       <dgm:spPr/>
       <dgm:t>
@@ -3549,17 +3512,15 @@
   <dgm:cxnLst>
     <dgm:cxn modelId="{92391313-CA02-4CC7-97DF-32F8885AF199}" type="presOf" srcId="{D1BD44C7-C562-4574-BA43-9BB72DAD8028}" destId="{1972FB0F-7813-4744-80EA-0566A18563EB}" srcOrd="0" destOrd="0" presId="urn:microsoft.com/office/officeart/2005/8/layout/vList2"/>
     <dgm:cxn modelId="{49F99D35-847B-4F81-8CA6-FA029354AFDB}" srcId="{8C419B4D-AE2B-4D38-A68F-A33A3C0E7643}" destId="{4599AD3F-C724-4B66-96AA-B11B7AA9A526}" srcOrd="0" destOrd="0" parTransId="{43F2AB0C-DFCC-41A5-992A-CD56B00A2B8D}" sibTransId="{F9DFF4DA-74BB-488D-A77B-EF19AA34C7C1}"/>
-    <dgm:cxn modelId="{2A93AB3B-70A4-47F4-8771-8C8C21898C3D}" type="presOf" srcId="{6880C8ED-1ED4-446C-825B-03A238FF44B3}" destId="{9494E5A7-926A-4641-B01E-5C1535A9DD3E}" srcOrd="0" destOrd="1" presId="urn:microsoft.com/office/officeart/2005/8/layout/vList2"/>
     <dgm:cxn modelId="{4E770448-B849-4492-884F-CFDC4C5032BA}" type="presOf" srcId="{8C419B4D-AE2B-4D38-A68F-A33A3C0E7643}" destId="{E97D90AD-ACD7-4A6E-99DB-469BEB015E5A}" srcOrd="0" destOrd="0" presId="urn:microsoft.com/office/officeart/2005/8/layout/vList2"/>
     <dgm:cxn modelId="{8479B97E-6D5A-4A75-9B04-8A8B928814E2}" type="presOf" srcId="{B600BF92-25F3-4C5A-9F6B-AF90B2946DC2}" destId="{562D67C0-13C2-481E-BDB9-1A10D24517A1}" srcOrd="0" destOrd="0" presId="urn:microsoft.com/office/officeart/2005/8/layout/vList2"/>
-    <dgm:cxn modelId="{9330C28F-BC23-469A-A4BA-0769932827CE}" srcId="{8C419B4D-AE2B-4D38-A68F-A33A3C0E7643}" destId="{67C9969A-932C-49FC-983A-49381E72DB62}" srcOrd="3" destOrd="0" parTransId="{0C4CAC90-B619-4A8F-8507-B35C18CEB21D}" sibTransId="{03285259-05BD-4651-BA64-DF68C104D6B5}"/>
-    <dgm:cxn modelId="{C7E8F293-EB4D-4681-97BC-3314714A9CAB}" srcId="{8C419B4D-AE2B-4D38-A68F-A33A3C0E7643}" destId="{6880C8ED-1ED4-446C-825B-03A238FF44B3}" srcOrd="1" destOrd="0" parTransId="{18B4EE1F-56C9-4C30-815E-2348F05A784B}" sibTransId="{BB9C2687-B11C-410B-8B22-446D92421FC0}"/>
+    <dgm:cxn modelId="{9330C28F-BC23-469A-A4BA-0769932827CE}" srcId="{8C419B4D-AE2B-4D38-A68F-A33A3C0E7643}" destId="{67C9969A-932C-49FC-983A-49381E72DB62}" srcOrd="2" destOrd="0" parTransId="{0C4CAC90-B619-4A8F-8507-B35C18CEB21D}" sibTransId="{03285259-05BD-4651-BA64-DF68C104D6B5}"/>
     <dgm:cxn modelId="{E4F8A494-9424-4236-9D40-DB62A9A29353}" type="presOf" srcId="{4599AD3F-C724-4B66-96AA-B11B7AA9A526}" destId="{9494E5A7-926A-4641-B01E-5C1535A9DD3E}" srcOrd="0" destOrd="0" presId="urn:microsoft.com/office/officeart/2005/8/layout/vList2"/>
-    <dgm:cxn modelId="{84BEC8C6-1392-4384-9F71-874DF71AE549}" srcId="{8C419B4D-AE2B-4D38-A68F-A33A3C0E7643}" destId="{ACF70F98-7152-4391-9263-9422F9F9337C}" srcOrd="2" destOrd="0" parTransId="{3ADED5F4-31D3-48DE-A711-F21F454399D9}" sibTransId="{D2224F11-4AB7-44DD-9E4F-8BC3F57019D3}"/>
+    <dgm:cxn modelId="{84BEC8C6-1392-4384-9F71-874DF71AE549}" srcId="{8C419B4D-AE2B-4D38-A68F-A33A3C0E7643}" destId="{ACF70F98-7152-4391-9263-9422F9F9337C}" srcOrd="1" destOrd="0" parTransId="{3ADED5F4-31D3-48DE-A711-F21F454399D9}" sibTransId="{D2224F11-4AB7-44DD-9E4F-8BC3F57019D3}"/>
     <dgm:cxn modelId="{90F871C8-EB87-4A91-9C30-D127A0DB5775}" srcId="{D1BD44C7-C562-4574-BA43-9BB72DAD8028}" destId="{8C419B4D-AE2B-4D38-A68F-A33A3C0E7643}" srcOrd="1" destOrd="0" parTransId="{A7DD91E1-0F93-4C0F-B601-0C8F3422DF87}" sibTransId="{687CFBFD-70A5-4B28-81D3-437DA63B1DD6}"/>
-    <dgm:cxn modelId="{3E6A11CD-AB2D-467D-A3A1-C9EA316EB9BC}" type="presOf" srcId="{ACF70F98-7152-4391-9263-9422F9F9337C}" destId="{9494E5A7-926A-4641-B01E-5C1535A9DD3E}" srcOrd="0" destOrd="2" presId="urn:microsoft.com/office/officeart/2005/8/layout/vList2"/>
+    <dgm:cxn modelId="{3E6A11CD-AB2D-467D-A3A1-C9EA316EB9BC}" type="presOf" srcId="{ACF70F98-7152-4391-9263-9422F9F9337C}" destId="{9494E5A7-926A-4641-B01E-5C1535A9DD3E}" srcOrd="0" destOrd="1" presId="urn:microsoft.com/office/officeart/2005/8/layout/vList2"/>
     <dgm:cxn modelId="{BABD1EEE-E0EB-42D3-A6F8-AA80D6C40276}" srcId="{D1BD44C7-C562-4574-BA43-9BB72DAD8028}" destId="{B600BF92-25F3-4C5A-9F6B-AF90B2946DC2}" srcOrd="0" destOrd="0" parTransId="{D3D2F3DD-C8E5-4BE5-9B5C-C4DF323077B8}" sibTransId="{7BB41B5B-6C79-4AC0-B1EB-A531FCB5CE6F}"/>
-    <dgm:cxn modelId="{F71FCEF5-6E2F-43DE-8639-C57A9D899227}" type="presOf" srcId="{67C9969A-932C-49FC-983A-49381E72DB62}" destId="{9494E5A7-926A-4641-B01E-5C1535A9DD3E}" srcOrd="0" destOrd="3" presId="urn:microsoft.com/office/officeart/2005/8/layout/vList2"/>
+    <dgm:cxn modelId="{F71FCEF5-6E2F-43DE-8639-C57A9D899227}" type="presOf" srcId="{67C9969A-932C-49FC-983A-49381E72DB62}" destId="{9494E5A7-926A-4641-B01E-5C1535A9DD3E}" srcOrd="0" destOrd="2" presId="urn:microsoft.com/office/officeart/2005/8/layout/vList2"/>
     <dgm:cxn modelId="{F69605F5-2D17-4E1E-A142-BF85915375FE}" type="presParOf" srcId="{1972FB0F-7813-4744-80EA-0566A18563EB}" destId="{562D67C0-13C2-481E-BDB9-1A10D24517A1}" srcOrd="0" destOrd="0" presId="urn:microsoft.com/office/officeart/2005/8/layout/vList2"/>
     <dgm:cxn modelId="{BF286A09-532E-4981-AE1E-FF336BA48C26}" type="presParOf" srcId="{1972FB0F-7813-4744-80EA-0566A18563EB}" destId="{9BED3218-2B41-48E9-A8B1-77991ED21214}" srcOrd="1" destOrd="0" presId="urn:microsoft.com/office/officeart/2005/8/layout/vList2"/>
     <dgm:cxn modelId="{7B758E8F-C803-4261-AEBE-72738FD6F6B9}" type="presParOf" srcId="{1972FB0F-7813-4744-80EA-0566A18563EB}" destId="{E97D90AD-ACD7-4A6E-99DB-469BEB015E5A}" srcOrd="2" destOrd="0" presId="urn:microsoft.com/office/officeart/2005/8/layout/vList2"/>
@@ -4637,8 +4598,8 @@
       </dsp:nvSpPr>
       <dsp:spPr>
         <a:xfrm>
-          <a:off x="0" y="53158"/>
-          <a:ext cx="10718952" cy="663389"/>
+          <a:off x="0" y="62068"/>
+          <a:ext cx="10718952" cy="737099"/>
         </a:xfrm>
         <a:prstGeom prst="roundRect">
           <a:avLst/>
@@ -4678,12 +4639,12 @@
         </a:fontRef>
       </dsp:style>
       <dsp:txBody>
-        <a:bodyPr spcFirstLastPara="0" vert="horz" wrap="square" lIns="102870" tIns="102870" rIns="102870" bIns="102870" numCol="1" spcCol="1270" anchor="ctr" anchorCtr="0">
+        <a:bodyPr spcFirstLastPara="0" vert="horz" wrap="square" lIns="114300" tIns="114300" rIns="114300" bIns="114300" numCol="1" spcCol="1270" anchor="ctr" anchorCtr="0">
           <a:noAutofit/>
         </a:bodyPr>
         <a:lstStyle/>
         <a:p>
-          <a:pPr marL="0" lvl="0" indent="0" algn="l" defTabSz="1200150">
+          <a:pPr marL="0" lvl="0" indent="0" algn="l" defTabSz="1333500">
             <a:lnSpc>
               <a:spcPct val="90000"/>
             </a:lnSpc>
@@ -4696,23 +4657,23 @@
             <a:buNone/>
           </a:pPr>
           <a:r>
-            <a:rPr lang="pl-PL" sz="2700" kern="1200" dirty="0"/>
+            <a:rPr lang="pl-PL" sz="3000" kern="1200" dirty="0"/>
             <a:t>Do zadania wybrany został algorytm </a:t>
           </a:r>
           <a:r>
-            <a:rPr lang="pl-PL" sz="2700" kern="1200" dirty="0" err="1"/>
+            <a:rPr lang="pl-PL" sz="3000" kern="1200" dirty="0" err="1"/>
             <a:t>Apriori</a:t>
           </a:r>
           <a:r>
-            <a:rPr lang="pl-PL" sz="2700" kern="1200" dirty="0"/>
+            <a:rPr lang="pl-PL" sz="3000" kern="1200" dirty="0"/>
             <a:t>.</a:t>
           </a:r>
-          <a:endParaRPr lang="en-US" sz="2700" kern="1200" dirty="0"/>
+          <a:endParaRPr lang="en-US" sz="3000" kern="1200" dirty="0"/>
         </a:p>
       </dsp:txBody>
       <dsp:txXfrm>
-        <a:off x="32384" y="85542"/>
-        <a:ext cx="10654184" cy="598621"/>
+        <a:off x="35982" y="98050"/>
+        <a:ext cx="10646988" cy="665135"/>
       </dsp:txXfrm>
     </dsp:sp>
     <dsp:sp modelId="{E97D90AD-ACD7-4A6E-99DB-469BEB015E5A}">
@@ -4722,8 +4683,8 @@
       </dsp:nvSpPr>
       <dsp:spPr>
         <a:xfrm>
-          <a:off x="0" y="794308"/>
-          <a:ext cx="10718952" cy="663389"/>
+          <a:off x="0" y="885568"/>
+          <a:ext cx="10718952" cy="737099"/>
         </a:xfrm>
         <a:prstGeom prst="roundRect">
           <a:avLst/>
@@ -4763,12 +4724,12 @@
         </a:fontRef>
       </dsp:style>
       <dsp:txBody>
-        <a:bodyPr spcFirstLastPara="0" vert="horz" wrap="square" lIns="102870" tIns="102870" rIns="102870" bIns="102870" numCol="1" spcCol="1270" anchor="ctr" anchorCtr="0">
+        <a:bodyPr spcFirstLastPara="0" vert="horz" wrap="square" lIns="114300" tIns="114300" rIns="114300" bIns="114300" numCol="1" spcCol="1270" anchor="ctr" anchorCtr="0">
           <a:noAutofit/>
         </a:bodyPr>
         <a:lstStyle/>
         <a:p>
-          <a:pPr marL="0" lvl="0" indent="0" algn="l" defTabSz="1200150">
+          <a:pPr marL="0" lvl="0" indent="0" algn="l" defTabSz="1333500">
             <a:lnSpc>
               <a:spcPct val="90000"/>
             </a:lnSpc>
@@ -4781,15 +4742,15 @@
             <a:buNone/>
           </a:pPr>
           <a:r>
-            <a:rPr lang="pl-PL" sz="2700" b="0" kern="1200" dirty="0"/>
+            <a:rPr lang="pl-PL" sz="3000" b="0" kern="1200" dirty="0"/>
             <a:t>Uzasadnienie: </a:t>
           </a:r>
-          <a:endParaRPr lang="en-US" sz="2700" b="0" kern="1200" dirty="0"/>
+          <a:endParaRPr lang="en-US" sz="3000" b="0" kern="1200" dirty="0"/>
         </a:p>
       </dsp:txBody>
       <dsp:txXfrm>
-        <a:off x="32384" y="826692"/>
-        <a:ext cx="10654184" cy="598621"/>
+        <a:off x="35982" y="921550"/>
+        <a:ext cx="10646988" cy="665135"/>
       </dsp:txXfrm>
     </dsp:sp>
     <dsp:sp modelId="{9494E5A7-926A-4641-B01E-5C1535A9DD3E}">
@@ -4799,8 +4760,8 @@
       </dsp:nvSpPr>
       <dsp:spPr>
         <a:xfrm>
-          <a:off x="0" y="1457698"/>
-          <a:ext cx="10718952" cy="2906280"/>
+          <a:off x="0" y="1622668"/>
+          <a:ext cx="10718952" cy="2732400"/>
         </a:xfrm>
         <a:prstGeom prst="rect">
           <a:avLst/>
@@ -4824,12 +4785,12 @@
         <a:fontRef idx="minor"/>
       </dsp:style>
       <dsp:txBody>
-        <a:bodyPr spcFirstLastPara="0" vert="horz" wrap="square" lIns="340327" tIns="34290" rIns="192024" bIns="34290" numCol="1" spcCol="1270" anchor="t" anchorCtr="0">
+        <a:bodyPr spcFirstLastPara="0" vert="horz" wrap="square" lIns="340327" tIns="38100" rIns="213360" bIns="38100" numCol="1" spcCol="1270" anchor="t" anchorCtr="0">
           <a:noAutofit/>
         </a:bodyPr>
         <a:lstStyle/>
         <a:p>
-          <a:pPr marL="228600" lvl="1" indent="-228600" algn="l" defTabSz="933450">
+          <a:pPr marL="228600" lvl="1" indent="-228600" algn="l" defTabSz="1022350">
             <a:lnSpc>
               <a:spcPct val="100000"/>
             </a:lnSpc>
@@ -4842,17 +4803,17 @@
             <a:buChar char="•"/>
           </a:pPr>
           <a:r>
-            <a:rPr lang="pl-PL" sz="2100" b="1" kern="1200" dirty="0"/>
+            <a:rPr lang="pl-PL" sz="2300" b="1" kern="1200" dirty="0"/>
             <a:t>Uniwersalność</a:t>
           </a:r>
           <a:r>
-            <a:rPr lang="pl-PL" sz="2100" kern="1200" dirty="0"/>
+            <a:rPr lang="pl-PL" sz="2300" kern="1200" dirty="0"/>
             <a:t> - działa dobrze na różnorodnych zbiorach danych (małych, średnich i większych), może być stosowany zarówno do danych dyskretnych, jak i o bardziej złożonej strukturze</a:t>
           </a:r>
-          <a:endParaRPr lang="en-US" sz="2100" kern="1200" dirty="0"/>
+          <a:endParaRPr lang="en-US" sz="2300" kern="1200" dirty="0"/>
         </a:p>
         <a:p>
-          <a:pPr marL="228600" lvl="1" indent="-228600" algn="l" defTabSz="933450">
+          <a:pPr marL="228600" lvl="1" indent="-228600" algn="l" defTabSz="1022350">
             <a:lnSpc>
               <a:spcPct val="100000"/>
             </a:lnSpc>
@@ -4865,13 +4826,17 @@
             <a:buChar char="•"/>
           </a:pPr>
           <a:r>
-            <a:rPr lang="pl-PL" sz="2100" b="1" kern="1200" dirty="0"/>
-            <a:t>Wydajność,</a:t>
+            <a:rPr lang="pl-PL" sz="2300" b="1" kern="1200" dirty="0"/>
+            <a:t>Przystosowanie do analiz reguł asocjacyjnych</a:t>
           </a:r>
-          <a:endParaRPr lang="en-US" sz="2100" kern="1200" dirty="0"/>
+          <a:r>
+            <a:rPr lang="pl-PL" sz="2300" kern="1200" dirty="0"/>
+            <a:t> - pozwala wygenerować nie tylko częste zbiory, ale i same reguły asocjacyjne,</a:t>
+          </a:r>
+          <a:endParaRPr lang="en-US" sz="2300" kern="1200" dirty="0"/>
         </a:p>
         <a:p>
-          <a:pPr marL="228600" lvl="1" indent="-228600" algn="l" defTabSz="933450">
+          <a:pPr marL="228600" lvl="1" indent="-228600" algn="l" defTabSz="1022350">
             <a:lnSpc>
               <a:spcPct val="100000"/>
             </a:lnSpc>
@@ -4884,42 +4849,19 @@
             <a:buChar char="•"/>
           </a:pPr>
           <a:r>
-            <a:rPr lang="pl-PL" sz="2100" b="1" kern="1200" dirty="0"/>
-            <a:t>Przystosowanie do analiz reguł asocjacyjnych</a:t>
-          </a:r>
-          <a:r>
-            <a:rPr lang="pl-PL" sz="2100" kern="1200" dirty="0"/>
-            <a:t> - pozwala wygenerować nie tylko częste zbiory, ale i same reguły asocjacyjne,</a:t>
-          </a:r>
-          <a:endParaRPr lang="en-US" sz="2100" kern="1200" dirty="0"/>
-        </a:p>
-        <a:p>
-          <a:pPr marL="228600" lvl="1" indent="-228600" algn="l" defTabSz="933450">
-            <a:lnSpc>
-              <a:spcPct val="100000"/>
-            </a:lnSpc>
-            <a:spcBef>
-              <a:spcPct val="0"/>
-            </a:spcBef>
-            <a:spcAft>
-              <a:spcPct val="20000"/>
-            </a:spcAft>
-            <a:buChar char="•"/>
-          </a:pPr>
-          <a:r>
-            <a:rPr lang="pl-PL" sz="2100" b="1" kern="1200" dirty="0"/>
+            <a:rPr lang="pl-PL" sz="2300" b="1" kern="1200" dirty="0"/>
             <a:t>Łatwy w implementacji </a:t>
           </a:r>
           <a:r>
-            <a:rPr lang="pl-PL" sz="2100" kern="1200" dirty="0"/>
+            <a:rPr lang="pl-PL" sz="2300" kern="1200" dirty="0"/>
             <a:t>– bogata literatura oraz biblioteki, które ułatwiają jego implementacje </a:t>
           </a:r>
-          <a:endParaRPr lang="en-US" sz="2100" kern="1200" dirty="0"/>
+          <a:endParaRPr lang="en-US" sz="2300" kern="1200" dirty="0"/>
         </a:p>
       </dsp:txBody>
       <dsp:txXfrm>
-        <a:off x="0" y="1457698"/>
-        <a:ext cx="10718952" cy="2906280"/>
+        <a:off x="0" y="1622668"/>
+        <a:ext cx="10718952" cy="2732400"/>
       </dsp:txXfrm>
     </dsp:sp>
   </dsp:spTree>
@@ -9719,7 +9661,7 @@
           <a:p>
             <a:fld id="{24D9B1CD-DD35-4BD3-BAC8-E5E8C83506FC}" type="datetimeFigureOut">
               <a:rPr lang="pl-PL" smtClean="0"/>
-              <a:t>08.12.2024</a:t>
+              <a:t>10.12.2024</a:t>
             </a:fld>
             <a:endParaRPr lang="pl-PL"/>
           </a:p>
@@ -9889,7 +9831,7 @@
           <a:p>
             <a:fld id="{24D9B1CD-DD35-4BD3-BAC8-E5E8C83506FC}" type="datetimeFigureOut">
               <a:rPr lang="pl-PL" smtClean="0"/>
-              <a:t>08.12.2024</a:t>
+              <a:t>10.12.2024</a:t>
             </a:fld>
             <a:endParaRPr lang="pl-PL"/>
           </a:p>
@@ -10069,7 +10011,7 @@
           <a:p>
             <a:fld id="{24D9B1CD-DD35-4BD3-BAC8-E5E8C83506FC}" type="datetimeFigureOut">
               <a:rPr lang="pl-PL" smtClean="0"/>
-              <a:t>08.12.2024</a:t>
+              <a:t>10.12.2024</a:t>
             </a:fld>
             <a:endParaRPr lang="pl-PL"/>
           </a:p>
@@ -10239,7 +10181,7 @@
           <a:p>
             <a:fld id="{24D9B1CD-DD35-4BD3-BAC8-E5E8C83506FC}" type="datetimeFigureOut">
               <a:rPr lang="pl-PL" smtClean="0"/>
-              <a:t>08.12.2024</a:t>
+              <a:t>10.12.2024</a:t>
             </a:fld>
             <a:endParaRPr lang="pl-PL"/>
           </a:p>
@@ -10485,7 +10427,7 @@
           <a:p>
             <a:fld id="{24D9B1CD-DD35-4BD3-BAC8-E5E8C83506FC}" type="datetimeFigureOut">
               <a:rPr lang="pl-PL" smtClean="0"/>
-              <a:t>08.12.2024</a:t>
+              <a:t>10.12.2024</a:t>
             </a:fld>
             <a:endParaRPr lang="pl-PL"/>
           </a:p>
@@ -10717,7 +10659,7 @@
           <a:p>
             <a:fld id="{24D9B1CD-DD35-4BD3-BAC8-E5E8C83506FC}" type="datetimeFigureOut">
               <a:rPr lang="pl-PL" smtClean="0"/>
-              <a:t>08.12.2024</a:t>
+              <a:t>10.12.2024</a:t>
             </a:fld>
             <a:endParaRPr lang="pl-PL"/>
           </a:p>
@@ -11084,7 +11026,7 @@
           <a:p>
             <a:fld id="{24D9B1CD-DD35-4BD3-BAC8-E5E8C83506FC}" type="datetimeFigureOut">
               <a:rPr lang="pl-PL" smtClean="0"/>
-              <a:t>08.12.2024</a:t>
+              <a:t>10.12.2024</a:t>
             </a:fld>
             <a:endParaRPr lang="pl-PL"/>
           </a:p>
@@ -11202,7 +11144,7 @@
           <a:p>
             <a:fld id="{24D9B1CD-DD35-4BD3-BAC8-E5E8C83506FC}" type="datetimeFigureOut">
               <a:rPr lang="pl-PL" smtClean="0"/>
-              <a:t>08.12.2024</a:t>
+              <a:t>10.12.2024</a:t>
             </a:fld>
             <a:endParaRPr lang="pl-PL"/>
           </a:p>
@@ -11297,7 +11239,7 @@
           <a:p>
             <a:fld id="{24D9B1CD-DD35-4BD3-BAC8-E5E8C83506FC}" type="datetimeFigureOut">
               <a:rPr lang="pl-PL" smtClean="0"/>
-              <a:t>08.12.2024</a:t>
+              <a:t>10.12.2024</a:t>
             </a:fld>
             <a:endParaRPr lang="pl-PL"/>
           </a:p>
@@ -11574,7 +11516,7 @@
           <a:p>
             <a:fld id="{24D9B1CD-DD35-4BD3-BAC8-E5E8C83506FC}" type="datetimeFigureOut">
               <a:rPr lang="pl-PL" smtClean="0"/>
-              <a:t>08.12.2024</a:t>
+              <a:t>10.12.2024</a:t>
             </a:fld>
             <a:endParaRPr lang="pl-PL"/>
           </a:p>
@@ -11831,7 +11773,7 @@
           <a:p>
             <a:fld id="{24D9B1CD-DD35-4BD3-BAC8-E5E8C83506FC}" type="datetimeFigureOut">
               <a:rPr lang="pl-PL" smtClean="0"/>
-              <a:t>08.12.2024</a:t>
+              <a:t>10.12.2024</a:t>
             </a:fld>
             <a:endParaRPr lang="pl-PL"/>
           </a:p>
@@ -12044,7 +11986,7 @@
           <a:p>
             <a:fld id="{24D9B1CD-DD35-4BD3-BAC8-E5E8C83506FC}" type="datetimeFigureOut">
               <a:rPr lang="pl-PL" smtClean="0"/>
-              <a:t>08.12.2024</a:t>
+              <a:t>10.12.2024</a:t>
             </a:fld>
             <a:endParaRPr lang="pl-PL"/>
           </a:p>
@@ -14244,7 +14186,7 @@
             <p:ph idx="1"/>
             <p:extLst>
               <p:ext uri="{D42A27DB-BD31-4B8C-83A1-F6EECF244321}">
-                <p14:modId xmlns:p14="http://schemas.microsoft.com/office/powerpoint/2010/main" val="3993645827"/>
+                <p14:modId xmlns:p14="http://schemas.microsoft.com/office/powerpoint/2010/main" val="3494902889"/>
               </p:ext>
             </p:extLst>
           </p:nvPr>
@@ -14548,7 +14490,7 @@
         </p:nvSpPr>
         <p:spPr>
           <a:xfrm>
-            <a:off x="1155548" y="2217343"/>
+            <a:off x="1385446" y="2207225"/>
             <a:ext cx="9880893" cy="3959619"/>
           </a:xfrm>
         </p:spPr>
@@ -14562,26 +14504,42 @@
               <a:buNone/>
             </a:pPr>
             <a:r>
-              <a:rPr lang="pl-PL" sz="2400"/>
+              <a:rPr lang="pl-PL" sz="2400" dirty="0"/>
               <a:t>Dane będą pobierane z </a:t>
             </a:r>
             <a:r>
-              <a:rPr lang="pl-PL" sz="2400" b="1"/>
-              <a:t>UCI Machine Learning Repository </a:t>
+              <a:rPr lang="pl-PL" sz="2400" b="1" dirty="0"/>
+              <a:t>UCI Machine Learning </a:t>
             </a:r>
             <a:r>
-              <a:rPr lang="pl-PL" sz="2400"/>
+              <a:rPr lang="pl-PL" sz="2400" b="1" dirty="0" err="1"/>
+              <a:t>Repository</a:t>
+            </a:r>
+            <a:r>
+              <a:rPr lang="pl-PL" sz="2400" b="1" dirty="0"/>
+              <a:t> </a:t>
+            </a:r>
+            <a:r>
+              <a:rPr lang="pl-PL" sz="2400" dirty="0"/>
               <a:t>(</a:t>
             </a:r>
             <a:r>
-              <a:rPr lang="pl-PL" sz="2400">
+              <a:rPr lang="pl-PL" sz="2400" dirty="0">
                 <a:hlinkClick r:id="rId2"/>
               </a:rPr>
               <a:t>https://archive.ics.uci.edu</a:t>
             </a:r>
             <a:r>
-              <a:rPr lang="pl-PL" sz="2400"/>
-              <a:t>) za pośrednictwem biblioteki ucimlrepo. Zostanie stworzona klasa udostępniająca interfejs pozwalający na pobranie jednego z wybranych zbiorów danych. </a:t>
+              <a:rPr lang="pl-PL" sz="2400" dirty="0"/>
+              <a:t>) za pośrednictwem biblioteki </a:t>
+            </a:r>
+            <a:r>
+              <a:rPr lang="pl-PL" sz="2400" dirty="0" err="1"/>
+              <a:t>ucimlrepo</a:t>
+            </a:r>
+            <a:r>
+              <a:rPr lang="pl-PL" sz="2400" dirty="0"/>
+              <a:t>. Zostanie stworzona klasa udostępniająca interfejs pozwalający na pobranie jednego z wybranych zbiorów danych. </a:t>
             </a:r>
           </a:p>
           <a:p>
@@ -14589,7 +14547,7 @@
               <a:buNone/>
             </a:pPr>
             <a:r>
-              <a:rPr lang="pl-PL" sz="2400"/>
+              <a:rPr lang="pl-PL" sz="2400" dirty="0"/>
               <a:t>Z początku wybrane zostaną dyskretne zbiory danych, odpowiednie do problemu. W dalszej części rozwiązania, jeżeli będzie to wymagane przez eksperymenty, stworzone zostanie rozwiązanie pozwalające na dyskretyzację dowolnych danych.</a:t>
             </a:r>
           </a:p>
@@ -14898,14 +14856,54 @@
               <a:buNone/>
             </a:pPr>
             <a:r>
-              <a:rPr lang="pl-PL" sz="2400">
+              <a:rPr lang="pl-PL" sz="2400" dirty="0">
                 <a:hlinkClick r:id="rId2"/>
               </a:rPr>
               <a:t>Car Evaluation </a:t>
             </a:r>
             <a:r>
-              <a:rPr lang="pl-PL" sz="2400"/>
-              <a:t>- Zbiór danych dotyczący oceny samochodów. Zawiera informacje na temat cech samochodu (np. cena, liczba drzwi, pojemność bagażnika, bezpieczeństwo) oraz decyzji dotyczących oceny  samochodu (klasyfikacja jako: unacceptable, acceptable, good, very good). </a:t>
+              <a:rPr lang="pl-PL" sz="2400" dirty="0"/>
+              <a:t>- Zbiór danych dotyczący oceny samochodów. Zawiera informacje na temat cech samochodu (np. cena, liczba drzwi, pojemność bagażnika, bezpieczeństwo) oraz decyzji dotyczących oceny  samochodu (klasyfikacja jako: </a:t>
+            </a:r>
+            <a:r>
+              <a:rPr lang="pl-PL" sz="2400" dirty="0" err="1"/>
+              <a:t>unacceptable</a:t>
+            </a:r>
+            <a:r>
+              <a:rPr lang="pl-PL" sz="2400" dirty="0"/>
+              <a:t>, </a:t>
+            </a:r>
+            <a:r>
+              <a:rPr lang="pl-PL" sz="2400" dirty="0" err="1"/>
+              <a:t>acceptable</a:t>
+            </a:r>
+            <a:r>
+              <a:rPr lang="pl-PL" sz="2400" dirty="0"/>
+              <a:t>, </a:t>
+            </a:r>
+            <a:r>
+              <a:rPr lang="pl-PL" sz="2400" dirty="0" err="1"/>
+              <a:t>good</a:t>
+            </a:r>
+            <a:r>
+              <a:rPr lang="pl-PL" sz="2400" dirty="0"/>
+              <a:t>, </a:t>
+            </a:r>
+            <a:r>
+              <a:rPr lang="pl-PL" sz="2400" dirty="0" err="1"/>
+              <a:t>very</a:t>
+            </a:r>
+            <a:r>
+              <a:rPr lang="pl-PL" sz="2400" dirty="0"/>
+              <a:t> </a:t>
+            </a:r>
+            <a:r>
+              <a:rPr lang="pl-PL" sz="2400" dirty="0" err="1"/>
+              <a:t>good</a:t>
+            </a:r>
+            <a:r>
+              <a:rPr lang="pl-PL" sz="2400" dirty="0"/>
+              <a:t>). </a:t>
             </a:r>
           </a:p>
           <a:p>
@@ -14913,7 +14911,7 @@
               <a:buNone/>
             </a:pPr>
             <a:r>
-              <a:rPr lang="pl-PL" sz="2400"/>
+              <a:rPr lang="pl-PL" sz="2400" dirty="0"/>
               <a:t>Zbiór ten zawiera 1728 rekordów, z czego każdy opisuje pojedynczy egzemplarz samochodu. </a:t>
             </a:r>
           </a:p>
@@ -14922,7 +14920,7 @@
               <a:buNone/>
             </a:pPr>
             <a:r>
-              <a:rPr lang="pl-PL" sz="2400"/>
+              <a:rPr lang="pl-PL" sz="2400" dirty="0"/>
               <a:t>Dane są wyraźnie zdefiniowane i sklasyfikowane, co ułatwia analizę i zrozumienie danych.</a:t>
             </a:r>
           </a:p>
@@ -15231,14 +15229,46 @@
               <a:buNone/>
             </a:pPr>
             <a:r>
-              <a:rPr lang="pl-PL" sz="2400">
+              <a:rPr lang="pl-PL" sz="2400" dirty="0" err="1">
                 <a:hlinkClick r:id="rId2"/>
               </a:rPr>
               <a:t>Nursery</a:t>
             </a:r>
             <a:r>
-              <a:rPr lang="pl-PL" sz="2400"/>
-              <a:t> - Zbiór danych dotyczący oceny przedszkoli. Zawiera informacje o cechach przedszkola (np. ilość dzieci, ilość osób dorosłych, poziom opieki) oraz decyzji dotyczących oceny przedszkola (klasyfikacja jako: recommend, priority, not recommend, very-recom). </a:t>
+              <a:rPr lang="pl-PL" sz="2400" dirty="0"/>
+              <a:t> - Zbiór danych dotyczący oceny przedszkoli. Zawiera informacje o cechach przedszkola (np. ilość dzieci, ilość osób dorosłych, poziom opieki) oraz decyzji dotyczących oceny przedszkola (klasyfikacja jako: </a:t>
+            </a:r>
+            <a:r>
+              <a:rPr lang="pl-PL" sz="2400" dirty="0" err="1"/>
+              <a:t>recommend</a:t>
+            </a:r>
+            <a:r>
+              <a:rPr lang="pl-PL" sz="2400" dirty="0"/>
+              <a:t>, </a:t>
+            </a:r>
+            <a:r>
+              <a:rPr lang="pl-PL" sz="2400" dirty="0" err="1"/>
+              <a:t>priority</a:t>
+            </a:r>
+            <a:r>
+              <a:rPr lang="pl-PL" sz="2400" dirty="0"/>
+              <a:t>, not </a:t>
+            </a:r>
+            <a:r>
+              <a:rPr lang="pl-PL" sz="2400" dirty="0" err="1"/>
+              <a:t>recommend</a:t>
+            </a:r>
+            <a:r>
+              <a:rPr lang="pl-PL" sz="2400" dirty="0"/>
+              <a:t>, </a:t>
+            </a:r>
+            <a:r>
+              <a:rPr lang="pl-PL" sz="2400" dirty="0" err="1"/>
+              <a:t>very-recom</a:t>
+            </a:r>
+            <a:r>
+              <a:rPr lang="pl-PL" sz="2400" dirty="0"/>
+              <a:t>). </a:t>
             </a:r>
           </a:p>
           <a:p>
@@ -15246,7 +15276,7 @@
               <a:buNone/>
             </a:pPr>
             <a:r>
-              <a:rPr lang="pl-PL" sz="2400"/>
+              <a:rPr lang="pl-PL" sz="2400" dirty="0"/>
               <a:t>Zbiór ten zawiera 12960 rekordów, z czego każdy opisuje pojedyncze przedszkole. </a:t>
             </a:r>
           </a:p>
@@ -15255,7 +15285,7 @@
               <a:buNone/>
             </a:pPr>
             <a:r>
-              <a:rPr lang="pl-PL" sz="2400"/>
+              <a:rPr lang="pl-PL" sz="2400" dirty="0"/>
               <a:t>Dane są zróżnicowane i uwzględniają różne aspekty funkcjonowania przedszkoli, co pozwala na wszechstronną analizę. </a:t>
             </a:r>
           </a:p>
@@ -15263,7 +15293,7 @@
             <a:pPr marL="0" indent="0">
               <a:buNone/>
             </a:pPr>
-            <a:endParaRPr lang="pl-PL" sz="2400"/>
+            <a:endParaRPr lang="pl-PL" sz="2400" dirty="0"/>
           </a:p>
         </p:txBody>
       </p:sp>
@@ -15576,14 +15606,72 @@
               <a:buNone/>
             </a:pPr>
             <a:r>
-              <a:rPr lang="pl-PL" sz="2400">
+              <a:rPr lang="pl-PL" sz="2400" dirty="0" err="1">
                 <a:hlinkClick r:id="rId2"/>
               </a:rPr>
-              <a:t>Tic-Tac-Toe Endgame </a:t>
+              <a:t>Tic</a:t>
             </a:r>
             <a:r>
-              <a:rPr lang="pl-PL" sz="2400"/>
-              <a:t>- Zbiór danych dotyczący końcówki gry w kółko i krzyżyk. Zawiera informacje o ułożeniu planszy gry (np. pozycje poszczególnych pól: top-left, top-middle, top-right, itd.) oraz decyzji dotyczących oceny końcowego stanu gry (klasyfikacja jako: win, loss, draw). </a:t>
+              <a:rPr lang="pl-PL" sz="2400" dirty="0">
+                <a:hlinkClick r:id="rId2"/>
+              </a:rPr>
+              <a:t>-Tac-Toe </a:t>
+            </a:r>
+            <a:r>
+              <a:rPr lang="pl-PL" sz="2400" dirty="0" err="1">
+                <a:hlinkClick r:id="rId2"/>
+              </a:rPr>
+              <a:t>Endgame</a:t>
+            </a:r>
+            <a:r>
+              <a:rPr lang="pl-PL" sz="2400" dirty="0">
+                <a:hlinkClick r:id="rId2"/>
+              </a:rPr>
+              <a:t> </a:t>
+            </a:r>
+            <a:r>
+              <a:rPr lang="pl-PL" sz="2400" dirty="0"/>
+              <a:t>- Zbiór danych dotyczący końcówki gry w kółko i krzyżyk. Zawiera informacje o ułożeniu planszy gry (np. pozycje poszczególnych pól: top-</a:t>
+            </a:r>
+            <a:r>
+              <a:rPr lang="pl-PL" sz="2400" dirty="0" err="1"/>
+              <a:t>left</a:t>
+            </a:r>
+            <a:r>
+              <a:rPr lang="pl-PL" sz="2400" dirty="0"/>
+              <a:t>, top-</a:t>
+            </a:r>
+            <a:r>
+              <a:rPr lang="pl-PL" sz="2400" dirty="0" err="1"/>
+              <a:t>middle</a:t>
+            </a:r>
+            <a:r>
+              <a:rPr lang="pl-PL" sz="2400" dirty="0"/>
+              <a:t>, top-</a:t>
+            </a:r>
+            <a:r>
+              <a:rPr lang="pl-PL" sz="2400" dirty="0" err="1"/>
+              <a:t>right</a:t>
+            </a:r>
+            <a:r>
+              <a:rPr lang="pl-PL" sz="2400" dirty="0"/>
+              <a:t>, itd.) oraz decyzji dotyczących oceny końcowego stanu gry (klasyfikacja jako: win, </a:t>
+            </a:r>
+            <a:r>
+              <a:rPr lang="pl-PL" sz="2400" dirty="0" err="1"/>
+              <a:t>loss</a:t>
+            </a:r>
+            <a:r>
+              <a:rPr lang="pl-PL" sz="2400" dirty="0"/>
+              <a:t>, </a:t>
+            </a:r>
+            <a:r>
+              <a:rPr lang="pl-PL" sz="2400" dirty="0" err="1"/>
+              <a:t>draw</a:t>
+            </a:r>
+            <a:r>
+              <a:rPr lang="pl-PL" sz="2400" dirty="0"/>
+              <a:t>). </a:t>
             </a:r>
           </a:p>
           <a:p>
@@ -15591,7 +15679,7 @@
               <a:buNone/>
             </a:pPr>
             <a:r>
-              <a:rPr lang="pl-PL" sz="2400"/>
+              <a:rPr lang="pl-PL" sz="2400" dirty="0"/>
               <a:t>Zbiór ten zawiera 958 rekordów, z czego każdy opisuje pojedynczą sytuację w końcówce gry w kółko i krzyżyk. </a:t>
             </a:r>
           </a:p>
@@ -15600,7 +15688,7 @@
               <a:buNone/>
             </a:pPr>
             <a:r>
-              <a:rPr lang="pl-PL" sz="2400"/>
+              <a:rPr lang="pl-PL" sz="2400" dirty="0"/>
               <a:t>Dane są w pełni dyskretne i reprezentują wszystkie możliwe kombinacje ułożenia pól na planszy w końcowej fazie gry. </a:t>
             </a:r>
           </a:p>
@@ -15608,7 +15696,7 @@
             <a:pPr marL="0" indent="0">
               <a:buNone/>
             </a:pPr>
-            <a:endParaRPr lang="pl-PL" sz="2400"/>
+            <a:endParaRPr lang="pl-PL" sz="2400" dirty="0"/>
           </a:p>
         </p:txBody>
       </p:sp>
@@ -15912,26 +16000,62 @@
           <a:lstStyle/>
           <a:p>
             <a:r>
-              <a:rPr lang="pl-PL" sz="2400"/>
+              <a:rPr lang="pl-PL" sz="2400" dirty="0"/>
               <a:t>Współczynnik  podniesienia (lift),</a:t>
             </a:r>
           </a:p>
           <a:p>
             <a:r>
-              <a:rPr lang="pl-PL" sz="2400"/>
-              <a:t>Współczynnik pewności (certanity factor),</a:t>
+              <a:rPr lang="pl-PL" sz="2400" dirty="0"/>
+              <a:t>Współczynnik pewności (</a:t>
             </a:r>
-          </a:p>
-          <a:p>
             <a:r>
-              <a:rPr lang="pl-PL" sz="2400"/>
-              <a:t>Jaacard / coherence,</a:t>
+              <a:rPr lang="pl-PL" sz="2400" dirty="0" err="1"/>
+              <a:t>certanity</a:t>
             </a:r>
-          </a:p>
-          <a:p>
             <a:r>
-              <a:rPr lang="pl-PL" sz="2400"/>
-              <a:t>iloraz szans (odds-ratio)</a:t>
+              <a:rPr lang="pl-PL" sz="2400" dirty="0"/>
+              <a:t> </a:t>
+            </a:r>
+            <a:r>
+              <a:rPr lang="pl-PL" sz="2400" dirty="0" err="1"/>
+              <a:t>factor</a:t>
+            </a:r>
+            <a:r>
+              <a:rPr lang="pl-PL" sz="2400" dirty="0"/>
+              <a:t>),</a:t>
+            </a:r>
+          </a:p>
+          <a:p>
+            <a:r>
+              <a:rPr lang="pl-PL" sz="2400" dirty="0" err="1"/>
+              <a:t>Jaacard</a:t>
+            </a:r>
+            <a:r>
+              <a:rPr lang="pl-PL" sz="2400" dirty="0"/>
+              <a:t> / </a:t>
+            </a:r>
+            <a:r>
+              <a:rPr lang="pl-PL" sz="2400" dirty="0" err="1"/>
+              <a:t>coherence</a:t>
+            </a:r>
+            <a:r>
+              <a:rPr lang="pl-PL" sz="2400" dirty="0"/>
+              <a:t>,</a:t>
+            </a:r>
+          </a:p>
+          <a:p>
+            <a:r>
+              <a:rPr lang="pl-PL" sz="2400" dirty="0"/>
+              <a:t>iloraz szans (</a:t>
+            </a:r>
+            <a:r>
+              <a:rPr lang="pl-PL" sz="2400" dirty="0" err="1"/>
+              <a:t>odds</a:t>
+            </a:r>
+            <a:r>
+              <a:rPr lang="pl-PL" sz="2400" dirty="0"/>
+              <a:t>-ratio)</a:t>
             </a:r>
           </a:p>
         </p:txBody>
